--- a/Gitの使い方発表用.pptx
+++ b/Gitの使い方発表用.pptx
@@ -6303,7 +6303,10 @@
           <a:bodyPr/>
           <a:lstStyle/>
           <a:p>
-            <a:endParaRPr kumimoji="1" lang="ja-JP" altLang="en-US"/>
+            <a:r>
+              <a:rPr kumimoji="1" lang="ja-JP" altLang="en-US"/>
+              <a:t>テスト</a:t>
+            </a:r>
           </a:p>
         </p:txBody>
       </p:sp>
